--- a/Windows Stemcell.pptx
+++ b/Windows Stemcell.pptx
@@ -6,7 +6,7 @@
     <p:sldMasterId id="2147483661" r:id="rId2"/>
   </p:sldMasterIdLst>
   <p:notesMasterIdLst>
-    <p:notesMasterId r:id="rId23"/>
+    <p:notesMasterId r:id="rId24"/>
   </p:notesMasterIdLst>
   <p:sldIdLst>
     <p:sldId id="256" r:id="rId3"/>
@@ -29,30 +29,31 @@
     <p:sldId id="285" r:id="rId20"/>
     <p:sldId id="258" r:id="rId21"/>
     <p:sldId id="288" r:id="rId22"/>
+    <p:sldId id="290" r:id="rId23"/>
   </p:sldIdLst>
   <p:sldSz cx="9144000" cy="5143500" type="screen16x9"/>
   <p:notesSz cx="6858000" cy="9144000"/>
   <p:embeddedFontLst>
     <p:embeddedFont>
       <p:font typeface="Calibri" panose="020F0502020204030204" pitchFamily="34" charset="0"/>
-      <p:regular r:id="rId24"/>
-      <p:bold r:id="rId25"/>
-      <p:italic r:id="rId26"/>
-      <p:boldItalic r:id="rId27"/>
+      <p:regular r:id="rId25"/>
+      <p:bold r:id="rId26"/>
+      <p:italic r:id="rId27"/>
+      <p:boldItalic r:id="rId28"/>
     </p:embeddedFont>
     <p:embeddedFont>
       <p:font typeface="Lato" panose="020B0604020202020204" charset="0"/>
-      <p:regular r:id="rId28"/>
-      <p:bold r:id="rId29"/>
-      <p:italic r:id="rId30"/>
-      <p:boldItalic r:id="rId31"/>
+      <p:regular r:id="rId29"/>
+      <p:bold r:id="rId30"/>
+      <p:italic r:id="rId31"/>
+      <p:boldItalic r:id="rId32"/>
     </p:embeddedFont>
     <p:embeddedFont>
       <p:font typeface="Proxima Nova" panose="020B0604020202020204" charset="0"/>
-      <p:regular r:id="rId32"/>
-      <p:bold r:id="rId33"/>
-      <p:italic r:id="rId34"/>
-      <p:boldItalic r:id="rId35"/>
+      <p:regular r:id="rId33"/>
+      <p:bold r:id="rId34"/>
+      <p:italic r:id="rId35"/>
+      <p:boldItalic r:id="rId36"/>
     </p:embeddedFont>
   </p:embeddedFontLst>
   <p:defaultTextStyle>
@@ -284,6 +285,11 @@
       </a:defRPr>
     </a:lvl9pPr>
   </p:defaultTextStyle>
+  <p:extLst>
+    <p:ext uri="{EFAFB233-063F-42B5-8137-9DF3F51BA10A}">
+      <p15:sldGuideLst xmlns:p15="http://schemas.microsoft.com/office/powerpoint/2012/main"/>
+    </p:ext>
+  </p:extLst>
 </p:presentation>
 </file>
 
@@ -28355,7 +28361,7 @@
         <p:spPr>
           <a:xfrm>
             <a:off x="2943625" y="239000"/>
-            <a:ext cx="2808000" cy="1677900"/>
+            <a:ext cx="2808000" cy="1745350"/>
           </a:xfrm>
           <a:prstGeom prst="rect">
             <a:avLst/>
@@ -34332,28 +34338,6 @@
             <a:pPr fontAlgn="base"/>
             <a:r>
               <a:rPr lang="en-US" b="1" dirty="0" err="1"/>
-              <a:t>ServiceModel</a:t>
-            </a:r>
-            <a:r>
-              <a:rPr lang="en-US" dirty="0"/>
-              <a:t> - WCF specific module, not sure what this provides</a:t>
-            </a:r>
-          </a:p>
-          <a:p>
-            <a:pPr fontAlgn="base"/>
-            <a:r>
-              <a:rPr lang="en-US" b="1" dirty="0"/>
-              <a:t>ServiceModel-4.0</a:t>
-            </a:r>
-            <a:r>
-              <a:rPr lang="en-US" dirty="0"/>
-              <a:t> - WCF .NET 4.x specific module, not sure what this provides</a:t>
-            </a:r>
-          </a:p>
-          <a:p>
-            <a:pPr fontAlgn="base"/>
-            <a:r>
-              <a:rPr lang="en-US" b="1" dirty="0" err="1"/>
               <a:t>CustomLoggingModule</a:t>
             </a:r>
             <a:r>
@@ -34388,6 +34372,32 @@
               <a:rPr lang="en-US" dirty="0"/>
               <a:t>. Semi-useful but not commonly used.</a:t>
             </a:r>
+          </a:p>
+          <a:p>
+            <a:pPr fontAlgn="base"/>
+            <a:r>
+              <a:rPr lang="en-US" b="1" dirty="0" err="1"/>
+              <a:t>CertificateMappingAuthenticationModule</a:t>
+            </a:r>
+            <a:r>
+              <a:rPr lang="en-US" dirty="0"/>
+              <a:t> - Allows auth to AD with client certs, not too useful within PCF</a:t>
+            </a:r>
+          </a:p>
+          <a:p>
+            <a:pPr fontAlgn="base"/>
+            <a:r>
+              <a:rPr lang="en-US" b="1" dirty="0" err="1"/>
+              <a:t>UrlAuthorizationModule</a:t>
+            </a:r>
+            <a:r>
+              <a:rPr lang="en-US" dirty="0"/>
+              <a:t> – Allows custom URL authorization modules for IIS</a:t>
+            </a:r>
+          </a:p>
+          <a:p>
+            <a:pPr fontAlgn="base"/>
+            <a:endParaRPr lang="en-US" dirty="0"/>
           </a:p>
         </p:txBody>
       </p:sp>
@@ -34667,28 +34677,6 @@
               </a:defRPr>
             </a:lvl9pPr>
           </a:lstStyle>
-          <a:p>
-            <a:pPr fontAlgn="base"/>
-            <a:r>
-              <a:rPr lang="en-US" b="1" dirty="0" err="1"/>
-              <a:t>CertificateMappingAuthenticationModule</a:t>
-            </a:r>
-            <a:r>
-              <a:rPr lang="en-US" dirty="0"/>
-              <a:t> - Allows auth to AD with client certs, not too useful within PCF</a:t>
-            </a:r>
-          </a:p>
-          <a:p>
-            <a:pPr fontAlgn="base"/>
-            <a:r>
-              <a:rPr lang="en-US" b="1" dirty="0" err="1"/>
-              <a:t>UrlAuthorizationModule</a:t>
-            </a:r>
-            <a:r>
-              <a:rPr lang="en-US" dirty="0"/>
-              <a:t> – Allows custom URL authorization modules for IIS</a:t>
-            </a:r>
-          </a:p>
           <a:p>
             <a:pPr fontAlgn="base"/>
             <a:r>
@@ -35154,12 +35142,162 @@
           <a:p>
             <a:endParaRPr lang="en-US" dirty="0"/>
           </a:p>
+          <a:p>
+            <a:r>
+              <a:rPr lang="en-US" dirty="0"/>
+              <a:t>https://docs.pivotal.io/pivotalcf/2-1/windows/create-vsphere-stemcell.html</a:t>
+            </a:r>
+          </a:p>
+          <a:p>
+            <a:endParaRPr lang="en-US" dirty="0"/>
+          </a:p>
         </p:txBody>
       </p:sp>
     </p:spTree>
     <p:extLst>
       <p:ext uri="{BB962C8B-B14F-4D97-AF65-F5344CB8AC3E}">
         <p14:creationId xmlns:p14="http://schemas.microsoft.com/office/powerpoint/2010/main" val="2847347005"/>
+      </p:ext>
+    </p:extLst>
+  </p:cSld>
+  <p:clrMapOvr>
+    <a:masterClrMapping/>
+  </p:clrMapOvr>
+</p:sld>
+</file>
+
+<file path=ppt/slides/slide21.xml><?xml version="1.0" encoding="utf-8"?>
+<p:sld xmlns:a="http://schemas.openxmlformats.org/drawingml/2006/main" xmlns:r="http://schemas.openxmlformats.org/officeDocument/2006/relationships" xmlns:p="http://schemas.openxmlformats.org/presentationml/2006/main">
+  <p:cSld>
+    <p:spTree>
+      <p:nvGrpSpPr>
+        <p:cNvPr id="1" name=""/>
+        <p:cNvGrpSpPr/>
+        <p:nvPr/>
+      </p:nvGrpSpPr>
+      <p:grpSpPr>
+        <a:xfrm>
+          <a:off x="0" y="0"/>
+          <a:ext cx="0" cy="0"/>
+          <a:chOff x="0" y="0"/>
+          <a:chExt cx="0" cy="0"/>
+        </a:xfrm>
+      </p:grpSpPr>
+      <p:sp>
+        <p:nvSpPr>
+          <p:cNvPr id="2" name="Title 1">
+            <a:extLst>
+              <a:ext uri="{FF2B5EF4-FFF2-40B4-BE49-F238E27FC236}">
+                <a16:creationId xmlns:a16="http://schemas.microsoft.com/office/drawing/2014/main" id="{FC1B5DB9-EBEE-434E-8B8C-ACAB76A575B1}"/>
+              </a:ext>
+            </a:extLst>
+          </p:cNvPr>
+          <p:cNvSpPr>
+            <a:spLocks noGrp="1"/>
+          </p:cNvSpPr>
+          <p:nvPr>
+            <p:ph type="title"/>
+          </p:nvPr>
+        </p:nvSpPr>
+        <p:spPr/>
+        <p:txBody>
+          <a:bodyPr/>
+          <a:lstStyle/>
+          <a:p>
+            <a:r>
+              <a:rPr lang="en-US" dirty="0"/>
+              <a:t>Concierge Windows </a:t>
+            </a:r>
+            <a:r>
+              <a:rPr lang="en-US" dirty="0" err="1"/>
+              <a:t>Stemcell</a:t>
+            </a:r>
+            <a:r>
+              <a:rPr lang="en-US" dirty="0"/>
+              <a:t> Build</a:t>
+            </a:r>
+          </a:p>
+        </p:txBody>
+      </p:sp>
+      <p:sp>
+        <p:nvSpPr>
+          <p:cNvPr id="3" name="Text Placeholder 2">
+            <a:extLst>
+              <a:ext uri="{FF2B5EF4-FFF2-40B4-BE49-F238E27FC236}">
+                <a16:creationId xmlns:a16="http://schemas.microsoft.com/office/drawing/2014/main" id="{6281F983-FB88-4A62-B2EB-9BFB4CFD4ED7}"/>
+              </a:ext>
+            </a:extLst>
+          </p:cNvPr>
+          <p:cNvSpPr>
+            <a:spLocks noGrp="1"/>
+          </p:cNvSpPr>
+          <p:nvPr>
+            <p:ph type="body" idx="1"/>
+          </p:nvPr>
+        </p:nvSpPr>
+        <p:spPr/>
+        <p:txBody>
+          <a:bodyPr/>
+          <a:lstStyle/>
+          <a:p>
+            <a:r>
+              <a:rPr lang="en-US" dirty="0"/>
+              <a:t>Pivotal Engineers will pair with you on your first </a:t>
+            </a:r>
+            <a:r>
+              <a:rPr lang="en-US" dirty="0" err="1"/>
+              <a:t>stemcell</a:t>
+            </a:r>
+            <a:r>
+              <a:rPr lang="en-US" dirty="0"/>
+              <a:t> build</a:t>
+            </a:r>
+          </a:p>
+          <a:p>
+            <a:pPr lvl="1"/>
+            <a:r>
+              <a:rPr lang="en-US" dirty="0"/>
+              <a:t>Assist you in getting started with the </a:t>
+            </a:r>
+            <a:r>
+              <a:rPr lang="en-US" dirty="0" err="1"/>
+              <a:t>stemcell</a:t>
+            </a:r>
+            <a:r>
+              <a:rPr lang="en-US" dirty="0"/>
+              <a:t> build process</a:t>
+            </a:r>
+          </a:p>
+          <a:p>
+            <a:pPr lvl="1"/>
+            <a:r>
+              <a:rPr lang="en-US" dirty="0"/>
+              <a:t>Give insights to the Engineering team on any special requirements</a:t>
+            </a:r>
+          </a:p>
+          <a:p>
+            <a:r>
+              <a:rPr lang="en-US" dirty="0"/>
+              <a:t>Further assistance from Platform Architects on </a:t>
+            </a:r>
+            <a:r>
+              <a:rPr lang="en-US" dirty="0" err="1"/>
+              <a:t>stemcell</a:t>
+            </a:r>
+            <a:r>
+              <a:rPr lang="en-US" dirty="0"/>
+              <a:t> builds is available</a:t>
+            </a:r>
+          </a:p>
+          <a:p>
+            <a:endParaRPr lang="en-US" dirty="0"/>
+          </a:p>
+        </p:txBody>
+      </p:sp>
+    </p:spTree>
+    <p:extLst>
+      <p:ext uri="{BB962C8B-B14F-4D97-AF65-F5344CB8AC3E}">
+        <p14:creationId xmlns:p14="http://schemas.microsoft.com/office/powerpoint/2010/main" val="3591819983"/>
       </p:ext>
     </p:extLst>
   </p:cSld>
@@ -35495,7 +35633,7 @@
           <a:p>
             <a:pPr defTabSz="914378"/>
             <a:r>
-              <a:rPr lang="en" sz="1200">
+              <a:rPr lang="en" sz="1200" dirty="0">
                 <a:latin typeface="Proxima Nova"/>
                 <a:ea typeface="Proxima Nova"/>
                 <a:cs typeface="Proxima Nova"/>
@@ -35503,7 +35641,7 @@
               </a:rPr>
               <a:t>Ubuntu</a:t>
             </a:r>
-            <a:endParaRPr sz="1200">
+            <a:endParaRPr sz="1200" dirty="0">
               <a:latin typeface="Proxima Nova"/>
               <a:ea typeface="Proxima Nova"/>
               <a:cs typeface="Proxima Nova"/>
@@ -43029,7 +43167,7 @@
               <a:defRPr/>
             </a:pPr>
             <a:r>
-              <a:rPr kumimoji="0" lang="en" sz="1200" b="1" i="0" u="none" strike="noStrike" kern="0" cap="none" spc="0" normalizeH="0" baseline="0" noProof="0">
+              <a:rPr kumimoji="0" lang="en" sz="1200" b="1" i="0" u="none" strike="noStrike" kern="0" cap="none" spc="0" normalizeH="0" baseline="0" noProof="0" dirty="0">
                 <a:ln>
                   <a:noFill/>
                 </a:ln>
@@ -43046,7 +43184,7 @@
               </a:rPr>
               <a:t>Filesystem Isolation</a:t>
             </a:r>
-            <a:endParaRPr kumimoji="0" sz="1200" b="0" i="0" u="none" strike="noStrike" kern="0" cap="none" spc="0" normalizeH="0" baseline="0" noProof="0">
+            <a:endParaRPr kumimoji="0" sz="1200" b="0" i="0" u="none" strike="noStrike" kern="0" cap="none" spc="0" normalizeH="0" baseline="0" noProof="0" dirty="0">
               <a:ln>
                 <a:noFill/>
               </a:ln>
@@ -45672,7 +45810,7 @@
         <p:spPr>
           <a:xfrm>
             <a:off x="2943625" y="239000"/>
-            <a:ext cx="2808000" cy="1677900"/>
+            <a:ext cx="2808000" cy="1771767"/>
           </a:xfrm>
           <a:prstGeom prst="rect">
             <a:avLst/>
@@ -47220,7 +47358,7 @@
               <a:defRPr/>
             </a:pPr>
             <a:r>
-              <a:rPr kumimoji="0" lang="en" sz="1200" b="1" i="0" u="none" strike="noStrike" kern="0" cap="none" spc="0" normalizeH="0" baseline="0" noProof="0">
+              <a:rPr kumimoji="0" lang="en" sz="1200" b="1" i="0" u="none" strike="noStrike" kern="0" cap="none" spc="0" normalizeH="0" baseline="0" noProof="0" dirty="0">
                 <a:ln>
                   <a:noFill/>
                 </a:ln>
@@ -47237,7 +47375,7 @@
               </a:rPr>
               <a:t>Network</a:t>
             </a:r>
-            <a:endParaRPr kumimoji="0" sz="1200" b="0" i="0" u="none" strike="noStrike" kern="0" cap="none" spc="0" normalizeH="0" baseline="0" noProof="0">
+            <a:endParaRPr kumimoji="0" sz="1200" b="0" i="0" u="none" strike="noStrike" kern="0" cap="none" spc="0" normalizeH="0" baseline="0" noProof="0" dirty="0">
               <a:ln>
                 <a:noFill/>
               </a:ln>
@@ -48882,7 +49020,7 @@
         <p:spPr>
           <a:xfrm>
             <a:off x="2943625" y="239000"/>
-            <a:ext cx="2808000" cy="1677900"/>
+            <a:ext cx="2808000" cy="1773792"/>
           </a:xfrm>
           <a:prstGeom prst="rect">
             <a:avLst/>
